--- a/templates/laudo-imogo.pptx
+++ b/templates/laudo-imogo.pptx
@@ -326,7 +326,7 @@
             <a:fld id="{1D8BD707-D9CF-40AE-B4C6-C98DA3205C09}" type="datetimeFigureOut">
               <a:rPr lang="en-US" smtClean="0"/>
               <a:pPr/>
-              <a:t>9/24/2025</a:t>
+              <a:t>9/25/2025</a:t>
             </a:fld>
             <a:endParaRPr lang="en-US"/>
           </a:p>
@@ -491,7 +491,7 @@
             <a:fld id="{1D8BD707-D9CF-40AE-B4C6-C98DA3205C09}" type="datetimeFigureOut">
               <a:rPr lang="en-US" smtClean="0"/>
               <a:pPr/>
-              <a:t>9/24/2025</a:t>
+              <a:t>9/25/2025</a:t>
             </a:fld>
             <a:endParaRPr lang="en-US"/>
           </a:p>
@@ -666,7 +666,7 @@
             <a:fld id="{1D8BD707-D9CF-40AE-B4C6-C98DA3205C09}" type="datetimeFigureOut">
               <a:rPr lang="en-US" smtClean="0"/>
               <a:pPr/>
-              <a:t>9/24/2025</a:t>
+              <a:t>9/25/2025</a:t>
             </a:fld>
             <a:endParaRPr lang="en-US"/>
           </a:p>
@@ -831,7 +831,7 @@
             <a:fld id="{1D8BD707-D9CF-40AE-B4C6-C98DA3205C09}" type="datetimeFigureOut">
               <a:rPr lang="en-US" smtClean="0"/>
               <a:pPr/>
-              <a:t>9/24/2025</a:t>
+              <a:t>9/25/2025</a:t>
             </a:fld>
             <a:endParaRPr lang="en-US"/>
           </a:p>
@@ -1073,7 +1073,7 @@
             <a:fld id="{1D8BD707-D9CF-40AE-B4C6-C98DA3205C09}" type="datetimeFigureOut">
               <a:rPr lang="en-US" smtClean="0"/>
               <a:pPr/>
-              <a:t>9/24/2025</a:t>
+              <a:t>9/25/2025</a:t>
             </a:fld>
             <a:endParaRPr lang="en-US"/>
           </a:p>
@@ -1355,7 +1355,7 @@
             <a:fld id="{1D8BD707-D9CF-40AE-B4C6-C98DA3205C09}" type="datetimeFigureOut">
               <a:rPr lang="en-US" smtClean="0"/>
               <a:pPr/>
-              <a:t>9/24/2025</a:t>
+              <a:t>9/25/2025</a:t>
             </a:fld>
             <a:endParaRPr lang="en-US"/>
           </a:p>
@@ -1771,7 +1771,7 @@
             <a:fld id="{1D8BD707-D9CF-40AE-B4C6-C98DA3205C09}" type="datetimeFigureOut">
               <a:rPr lang="en-US" smtClean="0"/>
               <a:pPr/>
-              <a:t>9/24/2025</a:t>
+              <a:t>9/25/2025</a:t>
             </a:fld>
             <a:endParaRPr lang="en-US"/>
           </a:p>
@@ -1885,7 +1885,7 @@
             <a:fld id="{1D8BD707-D9CF-40AE-B4C6-C98DA3205C09}" type="datetimeFigureOut">
               <a:rPr lang="en-US" smtClean="0"/>
               <a:pPr/>
-              <a:t>9/24/2025</a:t>
+              <a:t>9/25/2025</a:t>
             </a:fld>
             <a:endParaRPr lang="en-US"/>
           </a:p>
@@ -1977,7 +1977,7 @@
             <a:fld id="{1D8BD707-D9CF-40AE-B4C6-C98DA3205C09}" type="datetimeFigureOut">
               <a:rPr lang="en-US" smtClean="0"/>
               <a:pPr/>
-              <a:t>9/24/2025</a:t>
+              <a:t>9/25/2025</a:t>
             </a:fld>
             <a:endParaRPr lang="en-US"/>
           </a:p>
@@ -2249,7 +2249,7 @@
             <a:fld id="{1D8BD707-D9CF-40AE-B4C6-C98DA3205C09}" type="datetimeFigureOut">
               <a:rPr lang="en-US" smtClean="0"/>
               <a:pPr/>
-              <a:t>9/24/2025</a:t>
+              <a:t>9/25/2025</a:t>
             </a:fld>
             <a:endParaRPr lang="en-US"/>
           </a:p>
@@ -2498,7 +2498,7 @@
             <a:fld id="{1D8BD707-D9CF-40AE-B4C6-C98DA3205C09}" type="datetimeFigureOut">
               <a:rPr lang="en-US" smtClean="0"/>
               <a:pPr/>
-              <a:t>9/24/2025</a:t>
+              <a:t>9/25/2025</a:t>
             </a:fld>
             <a:endParaRPr lang="en-US"/>
           </a:p>
@@ -2706,7 +2706,7 @@
             <a:fld id="{1D8BD707-D9CF-40AE-B4C6-C98DA3205C09}" type="datetimeFigureOut">
               <a:rPr lang="en-US" smtClean="0"/>
               <a:pPr/>
-              <a:t>9/24/2025</a:t>
+              <a:t>9/25/2025</a:t>
             </a:fld>
             <a:endParaRPr lang="en-US"/>
           </a:p>
